--- a/presentations/RDBMS_101.pptx
+++ b/presentations/RDBMS_101.pptx
@@ -2887,7 +2887,7 @@
           </a:ln>
           <a:extLst>
             <a:ext uri="{C572A759-6A51-4108-AA02-DFA0A04FC94B}">
-              <ma14:wrappingTextBoxFlag xmlns:ma14="http://schemas.microsoft.com/office/mac/drawingml/2011/main" xmlns:a14="http://schemas.microsoft.com/office/drawing/2010/main" xmlns:m="http://schemas.openxmlformats.org/officeDocument/2006/math" xmlns="" val="1"/>
+              <ma14:wrappingTextBoxFlag xmlns="" xmlns:m="http://schemas.openxmlformats.org/officeDocument/2006/math" xmlns:a14="http://schemas.microsoft.com/office/drawing/2010/main" xmlns:ma14="http://schemas.microsoft.com/office/mac/drawingml/2011/main" val="1"/>
             </a:ext>
           </a:extLst>
         </p:spPr>
@@ -2926,7 +2926,7 @@
           </a:ln>
           <a:extLst>
             <a:ext uri="{C572A759-6A51-4108-AA02-DFA0A04FC94B}">
-              <ma14:wrappingTextBoxFlag xmlns:ma14="http://schemas.microsoft.com/office/mac/drawingml/2011/main" xmlns:a14="http://schemas.microsoft.com/office/drawing/2010/main" xmlns:m="http://schemas.openxmlformats.org/officeDocument/2006/math" xmlns="" val="1"/>
+              <ma14:wrappingTextBoxFlag xmlns="" xmlns:m="http://schemas.openxmlformats.org/officeDocument/2006/math" xmlns:a14="http://schemas.microsoft.com/office/drawing/2010/main" xmlns:ma14="http://schemas.microsoft.com/office/mac/drawingml/2011/main" val="1"/>
             </a:ext>
           </a:extLst>
         </p:spPr>
@@ -3861,7 +3861,7 @@
           </a:ln>
           <a:extLst>
             <a:ext uri="{C572A759-6A51-4108-AA02-DFA0A04FC94B}">
-              <ma14:wrappingTextBoxFlag xmlns:ma14="http://schemas.microsoft.com/office/mac/drawingml/2011/main" xmlns:a14="http://schemas.microsoft.com/office/drawing/2010/main" xmlns:m="http://schemas.openxmlformats.org/officeDocument/2006/math" xmlns="" val="1"/>
+              <ma14:wrappingTextBoxFlag xmlns="" xmlns:m="http://schemas.openxmlformats.org/officeDocument/2006/math" xmlns:a14="http://schemas.microsoft.com/office/drawing/2010/main" xmlns:ma14="http://schemas.microsoft.com/office/mac/drawingml/2011/main" val="1"/>
             </a:ext>
           </a:extLst>
         </p:spPr>
@@ -3885,7 +3885,7 @@
               </a:defRPr>
             </a:pPr>
             <a:r>
-              <a:rPr lang="en-US" sz="8000" dirty="0"/>
+              <a:rPr lang="en-US" sz="8000"/>
               <a:t>RDBMS 101</a:t>
             </a:r>
             <a:endParaRPr sz="8000" dirty="0"/>
@@ -3937,7 +3937,7 @@
           </a:ln>
           <a:extLst>
             <a:ext uri="{C572A759-6A51-4108-AA02-DFA0A04FC94B}">
-              <ma14:wrappingTextBoxFlag xmlns:ma14="http://schemas.microsoft.com/office/mac/drawingml/2011/main" xmlns:a14="http://schemas.microsoft.com/office/drawing/2010/main" xmlns:m="http://schemas.openxmlformats.org/officeDocument/2006/math" xmlns="" val="1"/>
+              <ma14:wrappingTextBoxFlag xmlns="" xmlns:m="http://schemas.openxmlformats.org/officeDocument/2006/math" xmlns:a14="http://schemas.microsoft.com/office/drawing/2010/main" xmlns:ma14="http://schemas.microsoft.com/office/mac/drawingml/2011/main" val="1"/>
             </a:ext>
           </a:extLst>
         </p:spPr>
@@ -5574,8 +5574,8 @@
         </p:nvSpPr>
         <p:spPr>
           <a:xfrm>
-            <a:off x="5144253" y="321956"/>
-            <a:ext cx="14095525" cy="1415770"/>
+            <a:off x="3801741" y="321956"/>
+            <a:ext cx="16780555" cy="1415770"/>
           </a:xfrm>
           <a:prstGeom prst="rect">
             <a:avLst/>
@@ -5585,7 +5585,7 @@
           </a:ln>
           <a:extLst>
             <a:ext uri="{C572A759-6A51-4108-AA02-DFA0A04FC94B}">
-              <ma14:wrappingTextBoxFlag xmlns:ma14="http://schemas.microsoft.com/office/mac/drawingml/2011/main" xmlns:a14="http://schemas.microsoft.com/office/drawing/2010/main" xmlns:m="http://schemas.openxmlformats.org/officeDocument/2006/math" xmlns="" val="1"/>
+              <ma14:wrappingTextBoxFlag xmlns="" xmlns:m="http://schemas.openxmlformats.org/officeDocument/2006/math" xmlns:a14="http://schemas.microsoft.com/office/drawing/2010/main" xmlns:ma14="http://schemas.microsoft.com/office/mac/drawingml/2011/main" val="1"/>
             </a:ext>
           </a:extLst>
         </p:spPr>
@@ -5608,7 +5608,7 @@
             </a:pPr>
             <a:r>
               <a:rPr lang="en-US" dirty="0"/>
-              <a:t>How indexes works (Primary Key)</a:t>
+              <a:t>How does an index work (Primary Key)</a:t>
             </a:r>
             <a:endParaRPr dirty="0"/>
           </a:p>
@@ -7087,8 +7087,8 @@
         </p:nvSpPr>
         <p:spPr>
           <a:xfrm>
-            <a:off x="4208098" y="321956"/>
-            <a:ext cx="15967834" cy="1415770"/>
+            <a:off x="2920088" y="321956"/>
+            <a:ext cx="18543858" cy="1415770"/>
           </a:xfrm>
           <a:prstGeom prst="rect">
             <a:avLst/>
@@ -7098,7 +7098,7 @@
           </a:ln>
           <a:extLst>
             <a:ext uri="{C572A759-6A51-4108-AA02-DFA0A04FC94B}">
-              <ma14:wrappingTextBoxFlag xmlns:ma14="http://schemas.microsoft.com/office/mac/drawingml/2011/main" xmlns:a14="http://schemas.microsoft.com/office/drawing/2010/main" xmlns:m="http://schemas.openxmlformats.org/officeDocument/2006/math" xmlns="" val="1"/>
+              <ma14:wrappingTextBoxFlag xmlns="" xmlns:m="http://schemas.openxmlformats.org/officeDocument/2006/math" xmlns:a14="http://schemas.microsoft.com/office/drawing/2010/main" xmlns:ma14="http://schemas.microsoft.com/office/mac/drawingml/2011/main" val="1"/>
             </a:ext>
           </a:extLst>
         </p:spPr>
@@ -7121,7 +7121,7 @@
             </a:pPr>
             <a:r>
               <a:rPr lang="en-US" dirty="0"/>
-              <a:t>How indexes works (Secondary Index)</a:t>
+              <a:t>How does an index work (Secondary Index)</a:t>
             </a:r>
             <a:endParaRPr dirty="0"/>
           </a:p>
@@ -8619,7 +8619,7 @@
           </a:ln>
           <a:extLst>
             <a:ext uri="{C572A759-6A51-4108-AA02-DFA0A04FC94B}">
-              <ma14:wrappingTextBoxFlag xmlns:ma14="http://schemas.microsoft.com/office/mac/drawingml/2011/main" xmlns:a14="http://schemas.microsoft.com/office/drawing/2010/main" xmlns:m="http://schemas.openxmlformats.org/officeDocument/2006/math" xmlns="" val="1"/>
+              <ma14:wrappingTextBoxFlag xmlns="" xmlns:m="http://schemas.openxmlformats.org/officeDocument/2006/math" xmlns:a14="http://schemas.microsoft.com/office/drawing/2010/main" xmlns:ma14="http://schemas.microsoft.com/office/mac/drawingml/2011/main" val="1"/>
             </a:ext>
           </a:extLst>
         </p:spPr>
@@ -9326,8 +9326,8 @@
         </p:nvSpPr>
         <p:spPr>
           <a:xfrm>
-            <a:off x="4724897" y="5392420"/>
-            <a:ext cx="14934218" cy="1615827"/>
+            <a:off x="8727596" y="5392420"/>
+            <a:ext cx="6928820" cy="2062103"/>
           </a:xfrm>
           <a:prstGeom prst="rect">
             <a:avLst/>
@@ -9337,7 +9337,7 @@
           </a:ln>
           <a:extLst>
             <a:ext uri="{C572A759-6A51-4108-AA02-DFA0A04FC94B}">
-              <ma14:wrappingTextBoxFlag xmlns:ma14="http://schemas.microsoft.com/office/mac/drawingml/2011/main" xmlns:a14="http://schemas.microsoft.com/office/drawing/2010/main" xmlns:m="http://schemas.openxmlformats.org/officeDocument/2006/math" xmlns="" val="1"/>
+              <ma14:wrappingTextBoxFlag xmlns="" xmlns:m="http://schemas.openxmlformats.org/officeDocument/2006/math" xmlns:a14="http://schemas.microsoft.com/office/drawing/2010/main" xmlns:ma14="http://schemas.microsoft.com/office/mac/drawingml/2011/main" val="1"/>
             </a:ext>
           </a:extLst>
         </p:spPr>
@@ -9361,8 +9361,8 @@
               </a:defRPr>
             </a:pPr>
             <a:r>
-              <a:rPr lang="en-US" sz="9600" dirty="0"/>
-              <a:t>Let’s Optimize Some Queries!</a:t>
+              <a:rPr lang="en-US" dirty="0"/>
+              <a:t>Thank You</a:t>
             </a:r>
             <a:endParaRPr sz="8000" dirty="0"/>
           </a:p>
@@ -9418,7 +9418,7 @@
           </a:ln>
           <a:extLst>
             <a:ext uri="{C572A759-6A51-4108-AA02-DFA0A04FC94B}">
-              <ma14:wrappingTextBoxFlag xmlns:ma14="http://schemas.microsoft.com/office/mac/drawingml/2011/main" xmlns:a14="http://schemas.microsoft.com/office/drawing/2010/main" xmlns:m="http://schemas.openxmlformats.org/officeDocument/2006/math" xmlns="" val="1"/>
+              <ma14:wrappingTextBoxFlag xmlns="" xmlns:m="http://schemas.openxmlformats.org/officeDocument/2006/math" xmlns:a14="http://schemas.microsoft.com/office/drawing/2010/main" xmlns:ma14="http://schemas.microsoft.com/office/mac/drawingml/2011/main" val="1"/>
             </a:ext>
           </a:extLst>
         </p:spPr>
@@ -9677,7 +9677,7 @@
           </a:ln>
           <a:extLst>
             <a:ext uri="{C572A759-6A51-4108-AA02-DFA0A04FC94B}">
-              <ma14:wrappingTextBoxFlag xmlns:ma14="http://schemas.microsoft.com/office/mac/drawingml/2011/main" xmlns:a14="http://schemas.microsoft.com/office/drawing/2010/main" xmlns:m="http://schemas.openxmlformats.org/officeDocument/2006/math" xmlns="" val="1"/>
+              <ma14:wrappingTextBoxFlag xmlns="" xmlns:m="http://schemas.openxmlformats.org/officeDocument/2006/math" xmlns:a14="http://schemas.microsoft.com/office/drawing/2010/main" xmlns:ma14="http://schemas.microsoft.com/office/mac/drawingml/2011/main" val="1"/>
             </a:ext>
           </a:extLst>
         </p:spPr>
@@ -9778,15 +9778,7 @@
             </a:pPr>
             <a:r>
               <a:rPr lang="en-US" sz="4800" dirty="0"/>
-              <a:t>Capable of storing whatever the s**</a:t>
-            </a:r>
-            <a:r>
-              <a:rPr lang="en-US" sz="4800" dirty="0" err="1"/>
-              <a:t>ts</a:t>
-            </a:r>
-            <a:r>
-              <a:rPr lang="en-US" sz="4800" dirty="0"/>
-              <a:t> our application generates.</a:t>
+              <a:t>Capable of storing whatever the BS our application generates.</a:t>
             </a:r>
           </a:p>
           <a:p>
@@ -9796,7 +9788,7 @@
             </a:pPr>
             <a:r>
               <a:rPr lang="en-US" sz="4800" dirty="0"/>
-              <a:t>Capable of giving them back whenever we want through whatever the s**ty queries that we run.</a:t>
+              <a:t>Capable of giving them back whatever they want, whenever they want, through any BS query that they run.</a:t>
             </a:r>
           </a:p>
           <a:p>
@@ -10164,7 +10156,7 @@
           </a:ln>
           <a:extLst>
             <a:ext uri="{C572A759-6A51-4108-AA02-DFA0A04FC94B}">
-              <ma14:wrappingTextBoxFlag xmlns:ma14="http://schemas.microsoft.com/office/mac/drawingml/2011/main" xmlns:a14="http://schemas.microsoft.com/office/drawing/2010/main" xmlns:m="http://schemas.openxmlformats.org/officeDocument/2006/math" xmlns="" val="1"/>
+              <ma14:wrappingTextBoxFlag xmlns="" xmlns:m="http://schemas.openxmlformats.org/officeDocument/2006/math" xmlns:a14="http://schemas.microsoft.com/office/drawing/2010/main" xmlns:ma14="http://schemas.microsoft.com/office/mac/drawingml/2011/main" val="1"/>
             </a:ext>
           </a:extLst>
         </p:spPr>
@@ -10187,7 +10179,7 @@
             </a:pPr>
             <a:r>
               <a:rPr lang="en-US" dirty="0"/>
-              <a:t>How the data is stored?</a:t>
+              <a:t>How is the data stored?</a:t>
             </a:r>
           </a:p>
         </p:txBody>
@@ -10387,7 +10379,7 @@
           </a:ln>
           <a:extLst>
             <a:ext uri="{C572A759-6A51-4108-AA02-DFA0A04FC94B}">
-              <ma14:wrappingTextBoxFlag xmlns:ma14="http://schemas.microsoft.com/office/mac/drawingml/2011/main" xmlns:a14="http://schemas.microsoft.com/office/drawing/2010/main" xmlns:m="http://schemas.openxmlformats.org/officeDocument/2006/math" xmlns="" val="1"/>
+              <ma14:wrappingTextBoxFlag xmlns="" xmlns:m="http://schemas.openxmlformats.org/officeDocument/2006/math" xmlns:a14="http://schemas.microsoft.com/office/drawing/2010/main" xmlns:ma14="http://schemas.microsoft.com/office/mac/drawingml/2011/main" val="1"/>
             </a:ext>
           </a:extLst>
         </p:spPr>
@@ -10410,7 +10402,7 @@
             </a:pPr>
             <a:r>
               <a:rPr lang="en-US" dirty="0"/>
-              <a:t>How the data is stored?</a:t>
+              <a:t>How is the data stored?</a:t>
             </a:r>
           </a:p>
         </p:txBody>
@@ -10580,7 +10572,7 @@
           </a:ln>
           <a:extLst>
             <a:ext uri="{C572A759-6A51-4108-AA02-DFA0A04FC94B}">
-              <ma14:wrappingTextBoxFlag xmlns:ma14="http://schemas.microsoft.com/office/mac/drawingml/2011/main" xmlns:a14="http://schemas.microsoft.com/office/drawing/2010/main" xmlns:m="http://schemas.openxmlformats.org/officeDocument/2006/math" xmlns="" val="1"/>
+              <ma14:wrappingTextBoxFlag xmlns="" xmlns:m="http://schemas.openxmlformats.org/officeDocument/2006/math" xmlns:a14="http://schemas.microsoft.com/office/drawing/2010/main" xmlns:ma14="http://schemas.microsoft.com/office/mac/drawingml/2011/main" val="1"/>
             </a:ext>
           </a:extLst>
         </p:spPr>
@@ -10603,7 +10595,7 @@
             </a:pPr>
             <a:r>
               <a:rPr lang="en-US" dirty="0"/>
-              <a:t>How the data is stored?</a:t>
+              <a:t>How is the data stored?</a:t>
             </a:r>
           </a:p>
         </p:txBody>
@@ -10866,7 +10858,7 @@
           </a:ln>
           <a:extLst>
             <a:ext uri="{C572A759-6A51-4108-AA02-DFA0A04FC94B}">
-              <ma14:wrappingTextBoxFlag xmlns:ma14="http://schemas.microsoft.com/office/mac/drawingml/2011/main" xmlns:a14="http://schemas.microsoft.com/office/drawing/2010/main" xmlns:m="http://schemas.openxmlformats.org/officeDocument/2006/math" xmlns="" val="1"/>
+              <ma14:wrappingTextBoxFlag xmlns="" xmlns:m="http://schemas.openxmlformats.org/officeDocument/2006/math" xmlns:a14="http://schemas.microsoft.com/office/drawing/2010/main" xmlns:ma14="http://schemas.microsoft.com/office/mac/drawingml/2011/main" val="1"/>
             </a:ext>
           </a:extLst>
         </p:spPr>
@@ -10889,7 +10881,7 @@
             </a:pPr>
             <a:r>
               <a:rPr lang="en-US" dirty="0"/>
-              <a:t>How the data is stored?</a:t>
+              <a:t>How is the data stored?</a:t>
             </a:r>
           </a:p>
         </p:txBody>
@@ -11287,7 +11279,7 @@
           </a:ln>
           <a:extLst>
             <a:ext uri="{C572A759-6A51-4108-AA02-DFA0A04FC94B}">
-              <ma14:wrappingTextBoxFlag xmlns:ma14="http://schemas.microsoft.com/office/mac/drawingml/2011/main" xmlns:a14="http://schemas.microsoft.com/office/drawing/2010/main" xmlns:m="http://schemas.openxmlformats.org/officeDocument/2006/math" xmlns="" val="1"/>
+              <ma14:wrappingTextBoxFlag xmlns="" xmlns:m="http://schemas.openxmlformats.org/officeDocument/2006/math" xmlns:a14="http://schemas.microsoft.com/office/drawing/2010/main" xmlns:ma14="http://schemas.microsoft.com/office/mac/drawingml/2011/main" val="1"/>
             </a:ext>
           </a:extLst>
         </p:spPr>
@@ -11869,7 +11861,7 @@
           </a:ln>
           <a:extLst>
             <a:ext uri="{C572A759-6A51-4108-AA02-DFA0A04FC94B}">
-              <ma14:wrappingTextBoxFlag xmlns:ma14="http://schemas.microsoft.com/office/mac/drawingml/2011/main" xmlns:a14="http://schemas.microsoft.com/office/drawing/2010/main" xmlns:m="http://schemas.openxmlformats.org/officeDocument/2006/math" xmlns="" val="1"/>
+              <ma14:wrappingTextBoxFlag xmlns="" xmlns:m="http://schemas.openxmlformats.org/officeDocument/2006/math" xmlns:a14="http://schemas.microsoft.com/office/drawing/2010/main" xmlns:ma14="http://schemas.microsoft.com/office/mac/drawingml/2011/main" val="1"/>
             </a:ext>
           </a:extLst>
         </p:spPr>
